--- a/poster/poster.pptx
+++ b/poster/poster.pptx
@@ -154,7 +154,7 @@
           </a:lstStyle>
           <a:p>
             <a:r>
-              <a:rPr lang="en-US" smtClean="0"/>
+              <a:rPr lang="en-US"/>
               <a:t>Click to edit Master title style</a:t>
             </a:r>
             <a:endParaRPr lang="en-US" dirty="0"/>
@@ -219,7 +219,7 @@
           </a:lstStyle>
           <a:p>
             <a:r>
-              <a:rPr lang="en-US" smtClean="0"/>
+              <a:rPr lang="en-US"/>
               <a:t>Click to edit Master subtitle style</a:t>
             </a:r>
             <a:endParaRPr lang="en-US" dirty="0"/>
@@ -243,7 +243,7 @@
           <a:p>
             <a:fld id="{F4F5EFFA-7ED9-4457-8827-5AF78EB79B06}" type="datetimeFigureOut">
               <a:rPr lang="en-US" smtClean="0"/>
-              <a:t>1/17/2020</a:t>
+              <a:t>19-Jan-20</a:t>
             </a:fld>
             <a:endParaRPr lang="en-US"/>
           </a:p>
@@ -337,7 +337,7 @@
           <a:lstStyle/>
           <a:p>
             <a:r>
-              <a:rPr lang="en-US" smtClean="0"/>
+              <a:rPr lang="en-US"/>
               <a:t>Click to edit Master title style</a:t>
             </a:r>
             <a:endParaRPr lang="en-US" dirty="0"/>
@@ -361,35 +361,35 @@
           <a:p>
             <a:pPr lvl="0"/>
             <a:r>
-              <a:rPr lang="en-US" smtClean="0"/>
+              <a:rPr lang="en-US"/>
               <a:t>Edit Master text styles</a:t>
             </a:r>
           </a:p>
           <a:p>
             <a:pPr lvl="1"/>
             <a:r>
-              <a:rPr lang="en-US" smtClean="0"/>
+              <a:rPr lang="en-US"/>
               <a:t>Second level</a:t>
             </a:r>
           </a:p>
           <a:p>
             <a:pPr lvl="2"/>
             <a:r>
-              <a:rPr lang="en-US" smtClean="0"/>
+              <a:rPr lang="en-US"/>
               <a:t>Third level</a:t>
             </a:r>
           </a:p>
           <a:p>
             <a:pPr lvl="3"/>
             <a:r>
-              <a:rPr lang="en-US" smtClean="0"/>
+              <a:rPr lang="en-US"/>
               <a:t>Fourth level</a:t>
             </a:r>
           </a:p>
           <a:p>
             <a:pPr lvl="4"/>
             <a:r>
-              <a:rPr lang="en-US" smtClean="0"/>
+              <a:rPr lang="en-US"/>
               <a:t>Fifth level</a:t>
             </a:r>
             <a:endParaRPr lang="en-US" dirty="0"/>
@@ -413,7 +413,7 @@
           <a:p>
             <a:fld id="{F4F5EFFA-7ED9-4457-8827-5AF78EB79B06}" type="datetimeFigureOut">
               <a:rPr lang="en-US" smtClean="0"/>
-              <a:t>1/17/2020</a:t>
+              <a:t>19-Jan-20</a:t>
             </a:fld>
             <a:endParaRPr lang="en-US"/>
           </a:p>
@@ -512,7 +512,7 @@
           <a:lstStyle/>
           <a:p>
             <a:r>
-              <a:rPr lang="en-US" smtClean="0"/>
+              <a:rPr lang="en-US"/>
               <a:t>Click to edit Master title style</a:t>
             </a:r>
             <a:endParaRPr lang="en-US" dirty="0"/>
@@ -541,35 +541,35 @@
           <a:p>
             <a:pPr lvl="0"/>
             <a:r>
-              <a:rPr lang="en-US" smtClean="0"/>
+              <a:rPr lang="en-US"/>
               <a:t>Edit Master text styles</a:t>
             </a:r>
           </a:p>
           <a:p>
             <a:pPr lvl="1"/>
             <a:r>
-              <a:rPr lang="en-US" smtClean="0"/>
+              <a:rPr lang="en-US"/>
               <a:t>Second level</a:t>
             </a:r>
           </a:p>
           <a:p>
             <a:pPr lvl="2"/>
             <a:r>
-              <a:rPr lang="en-US" smtClean="0"/>
+              <a:rPr lang="en-US"/>
               <a:t>Third level</a:t>
             </a:r>
           </a:p>
           <a:p>
             <a:pPr lvl="3"/>
             <a:r>
-              <a:rPr lang="en-US" smtClean="0"/>
+              <a:rPr lang="en-US"/>
               <a:t>Fourth level</a:t>
             </a:r>
           </a:p>
           <a:p>
             <a:pPr lvl="4"/>
             <a:r>
-              <a:rPr lang="en-US" smtClean="0"/>
+              <a:rPr lang="en-US"/>
               <a:t>Fifth level</a:t>
             </a:r>
             <a:endParaRPr lang="en-US" dirty="0"/>
@@ -593,7 +593,7 @@
           <a:p>
             <a:fld id="{F4F5EFFA-7ED9-4457-8827-5AF78EB79B06}" type="datetimeFigureOut">
               <a:rPr lang="en-US" smtClean="0"/>
-              <a:t>1/17/2020</a:t>
+              <a:t>19-Jan-20</a:t>
             </a:fld>
             <a:endParaRPr lang="en-US"/>
           </a:p>
@@ -687,7 +687,7 @@
           <a:lstStyle/>
           <a:p>
             <a:r>
-              <a:rPr lang="en-US" smtClean="0"/>
+              <a:rPr lang="en-US"/>
               <a:t>Click to edit Master title style</a:t>
             </a:r>
             <a:endParaRPr lang="en-US" dirty="0"/>
@@ -711,35 +711,35 @@
           <a:p>
             <a:pPr lvl="0"/>
             <a:r>
-              <a:rPr lang="en-US" smtClean="0"/>
+              <a:rPr lang="en-US"/>
               <a:t>Edit Master text styles</a:t>
             </a:r>
           </a:p>
           <a:p>
             <a:pPr lvl="1"/>
             <a:r>
-              <a:rPr lang="en-US" smtClean="0"/>
+              <a:rPr lang="en-US"/>
               <a:t>Second level</a:t>
             </a:r>
           </a:p>
           <a:p>
             <a:pPr lvl="2"/>
             <a:r>
-              <a:rPr lang="en-US" smtClean="0"/>
+              <a:rPr lang="en-US"/>
               <a:t>Third level</a:t>
             </a:r>
           </a:p>
           <a:p>
             <a:pPr lvl="3"/>
             <a:r>
-              <a:rPr lang="en-US" smtClean="0"/>
+              <a:rPr lang="en-US"/>
               <a:t>Fourth level</a:t>
             </a:r>
           </a:p>
           <a:p>
             <a:pPr lvl="4"/>
             <a:r>
-              <a:rPr lang="en-US" smtClean="0"/>
+              <a:rPr lang="en-US"/>
               <a:t>Fifth level</a:t>
             </a:r>
             <a:endParaRPr lang="en-US" dirty="0"/>
@@ -763,7 +763,7 @@
           <a:p>
             <a:fld id="{F4F5EFFA-7ED9-4457-8827-5AF78EB79B06}" type="datetimeFigureOut">
               <a:rPr lang="en-US" smtClean="0"/>
-              <a:t>1/17/2020</a:t>
+              <a:t>19-Jan-20</a:t>
             </a:fld>
             <a:endParaRPr lang="en-US"/>
           </a:p>
@@ -866,7 +866,7 @@
           </a:lstStyle>
           <a:p>
             <a:r>
-              <a:rPr lang="en-US" smtClean="0"/>
+              <a:rPr lang="en-US"/>
               <a:t>Click to edit Master title style</a:t>
             </a:r>
             <a:endParaRPr lang="en-US" dirty="0"/>
@@ -984,7 +984,7 @@
           <a:p>
             <a:pPr lvl="0"/>
             <a:r>
-              <a:rPr lang="en-US" smtClean="0"/>
+              <a:rPr lang="en-US"/>
               <a:t>Edit Master text styles</a:t>
             </a:r>
           </a:p>
@@ -1007,7 +1007,7 @@
           <a:p>
             <a:fld id="{F4F5EFFA-7ED9-4457-8827-5AF78EB79B06}" type="datetimeFigureOut">
               <a:rPr lang="en-US" smtClean="0"/>
-              <a:t>1/17/2020</a:t>
+              <a:t>19-Jan-20</a:t>
             </a:fld>
             <a:endParaRPr lang="en-US"/>
           </a:p>
@@ -1101,7 +1101,7 @@
           <a:lstStyle/>
           <a:p>
             <a:r>
-              <a:rPr lang="en-US" smtClean="0"/>
+              <a:rPr lang="en-US"/>
               <a:t>Click to edit Master title style</a:t>
             </a:r>
             <a:endParaRPr lang="en-US" dirty="0"/>
@@ -1130,35 +1130,35 @@
           <a:p>
             <a:pPr lvl="0"/>
             <a:r>
-              <a:rPr lang="en-US" smtClean="0"/>
+              <a:rPr lang="en-US"/>
               <a:t>Edit Master text styles</a:t>
             </a:r>
           </a:p>
           <a:p>
             <a:pPr lvl="1"/>
             <a:r>
-              <a:rPr lang="en-US" smtClean="0"/>
+              <a:rPr lang="en-US"/>
               <a:t>Second level</a:t>
             </a:r>
           </a:p>
           <a:p>
             <a:pPr lvl="2"/>
             <a:r>
-              <a:rPr lang="en-US" smtClean="0"/>
+              <a:rPr lang="en-US"/>
               <a:t>Third level</a:t>
             </a:r>
           </a:p>
           <a:p>
             <a:pPr lvl="3"/>
             <a:r>
-              <a:rPr lang="en-US" smtClean="0"/>
+              <a:rPr lang="en-US"/>
               <a:t>Fourth level</a:t>
             </a:r>
           </a:p>
           <a:p>
             <a:pPr lvl="4"/>
             <a:r>
-              <a:rPr lang="en-US" smtClean="0"/>
+              <a:rPr lang="en-US"/>
               <a:t>Fifth level</a:t>
             </a:r>
             <a:endParaRPr lang="en-US" dirty="0"/>
@@ -1187,35 +1187,35 @@
           <a:p>
             <a:pPr lvl="0"/>
             <a:r>
-              <a:rPr lang="en-US" smtClean="0"/>
+              <a:rPr lang="en-US"/>
               <a:t>Edit Master text styles</a:t>
             </a:r>
           </a:p>
           <a:p>
             <a:pPr lvl="1"/>
             <a:r>
-              <a:rPr lang="en-US" smtClean="0"/>
+              <a:rPr lang="en-US"/>
               <a:t>Second level</a:t>
             </a:r>
           </a:p>
           <a:p>
             <a:pPr lvl="2"/>
             <a:r>
-              <a:rPr lang="en-US" smtClean="0"/>
+              <a:rPr lang="en-US"/>
               <a:t>Third level</a:t>
             </a:r>
           </a:p>
           <a:p>
             <a:pPr lvl="3"/>
             <a:r>
-              <a:rPr lang="en-US" smtClean="0"/>
+              <a:rPr lang="en-US"/>
               <a:t>Fourth level</a:t>
             </a:r>
           </a:p>
           <a:p>
             <a:pPr lvl="4"/>
             <a:r>
-              <a:rPr lang="en-US" smtClean="0"/>
+              <a:rPr lang="en-US"/>
               <a:t>Fifth level</a:t>
             </a:r>
             <a:endParaRPr lang="en-US" dirty="0"/>
@@ -1239,7 +1239,7 @@
           <a:p>
             <a:fld id="{F4F5EFFA-7ED9-4457-8827-5AF78EB79B06}" type="datetimeFigureOut">
               <a:rPr lang="en-US" smtClean="0"/>
-              <a:t>1/17/2020</a:t>
+              <a:t>19-Jan-20</a:t>
             </a:fld>
             <a:endParaRPr lang="en-US"/>
           </a:p>
@@ -1338,7 +1338,7 @@
           <a:lstStyle/>
           <a:p>
             <a:r>
-              <a:rPr lang="en-US" smtClean="0"/>
+              <a:rPr lang="en-US"/>
               <a:t>Click to edit Master title style</a:t>
             </a:r>
             <a:endParaRPr lang="en-US" dirty="0"/>
@@ -1404,7 +1404,7 @@
           <a:p>
             <a:pPr lvl="0"/>
             <a:r>
-              <a:rPr lang="en-US" smtClean="0"/>
+              <a:rPr lang="en-US"/>
               <a:t>Edit Master text styles</a:t>
             </a:r>
           </a:p>
@@ -1432,35 +1432,35 @@
           <a:p>
             <a:pPr lvl="0"/>
             <a:r>
-              <a:rPr lang="en-US" smtClean="0"/>
+              <a:rPr lang="en-US"/>
               <a:t>Edit Master text styles</a:t>
             </a:r>
           </a:p>
           <a:p>
             <a:pPr lvl="1"/>
             <a:r>
-              <a:rPr lang="en-US" smtClean="0"/>
+              <a:rPr lang="en-US"/>
               <a:t>Second level</a:t>
             </a:r>
           </a:p>
           <a:p>
             <a:pPr lvl="2"/>
             <a:r>
-              <a:rPr lang="en-US" smtClean="0"/>
+              <a:rPr lang="en-US"/>
               <a:t>Third level</a:t>
             </a:r>
           </a:p>
           <a:p>
             <a:pPr lvl="3"/>
             <a:r>
-              <a:rPr lang="en-US" smtClean="0"/>
+              <a:rPr lang="en-US"/>
               <a:t>Fourth level</a:t>
             </a:r>
           </a:p>
           <a:p>
             <a:pPr lvl="4"/>
             <a:r>
-              <a:rPr lang="en-US" smtClean="0"/>
+              <a:rPr lang="en-US"/>
               <a:t>Fifth level</a:t>
             </a:r>
             <a:endParaRPr lang="en-US" dirty="0"/>
@@ -1526,7 +1526,7 @@
           <a:p>
             <a:pPr lvl="0"/>
             <a:r>
-              <a:rPr lang="en-US" smtClean="0"/>
+              <a:rPr lang="en-US"/>
               <a:t>Edit Master text styles</a:t>
             </a:r>
           </a:p>
@@ -1554,35 +1554,35 @@
           <a:p>
             <a:pPr lvl="0"/>
             <a:r>
-              <a:rPr lang="en-US" smtClean="0"/>
+              <a:rPr lang="en-US"/>
               <a:t>Edit Master text styles</a:t>
             </a:r>
           </a:p>
           <a:p>
             <a:pPr lvl="1"/>
             <a:r>
-              <a:rPr lang="en-US" smtClean="0"/>
+              <a:rPr lang="en-US"/>
               <a:t>Second level</a:t>
             </a:r>
           </a:p>
           <a:p>
             <a:pPr lvl="2"/>
             <a:r>
-              <a:rPr lang="en-US" smtClean="0"/>
+              <a:rPr lang="en-US"/>
               <a:t>Third level</a:t>
             </a:r>
           </a:p>
           <a:p>
             <a:pPr lvl="3"/>
             <a:r>
-              <a:rPr lang="en-US" smtClean="0"/>
+              <a:rPr lang="en-US"/>
               <a:t>Fourth level</a:t>
             </a:r>
           </a:p>
           <a:p>
             <a:pPr lvl="4"/>
             <a:r>
-              <a:rPr lang="en-US" smtClean="0"/>
+              <a:rPr lang="en-US"/>
               <a:t>Fifth level</a:t>
             </a:r>
             <a:endParaRPr lang="en-US" dirty="0"/>
@@ -1606,7 +1606,7 @@
           <a:p>
             <a:fld id="{F4F5EFFA-7ED9-4457-8827-5AF78EB79B06}" type="datetimeFigureOut">
               <a:rPr lang="en-US" smtClean="0"/>
-              <a:t>1/17/2020</a:t>
+              <a:t>19-Jan-20</a:t>
             </a:fld>
             <a:endParaRPr lang="en-US"/>
           </a:p>
@@ -1700,7 +1700,7 @@
           <a:lstStyle/>
           <a:p>
             <a:r>
-              <a:rPr lang="en-US" smtClean="0"/>
+              <a:rPr lang="en-US"/>
               <a:t>Click to edit Master title style</a:t>
             </a:r>
             <a:endParaRPr lang="en-US" dirty="0"/>
@@ -1724,7 +1724,7 @@
           <a:p>
             <a:fld id="{F4F5EFFA-7ED9-4457-8827-5AF78EB79B06}" type="datetimeFigureOut">
               <a:rPr lang="en-US" smtClean="0"/>
-              <a:t>1/17/2020</a:t>
+              <a:t>19-Jan-20</a:t>
             </a:fld>
             <a:endParaRPr lang="en-US"/>
           </a:p>
@@ -1819,7 +1819,7 @@
           <a:p>
             <a:fld id="{F4F5EFFA-7ED9-4457-8827-5AF78EB79B06}" type="datetimeFigureOut">
               <a:rPr lang="en-US" smtClean="0"/>
-              <a:t>1/17/2020</a:t>
+              <a:t>19-Jan-20</a:t>
             </a:fld>
             <a:endParaRPr lang="en-US"/>
           </a:p>
@@ -1922,7 +1922,7 @@
           </a:lstStyle>
           <a:p>
             <a:r>
-              <a:rPr lang="en-US" smtClean="0"/>
+              <a:rPr lang="en-US"/>
               <a:t>Click to edit Master title style</a:t>
             </a:r>
             <a:endParaRPr lang="en-US" dirty="0"/>
@@ -1979,35 +1979,35 @@
           <a:p>
             <a:pPr lvl="0"/>
             <a:r>
-              <a:rPr lang="en-US" smtClean="0"/>
+              <a:rPr lang="en-US"/>
               <a:t>Edit Master text styles</a:t>
             </a:r>
           </a:p>
           <a:p>
             <a:pPr lvl="1"/>
             <a:r>
-              <a:rPr lang="en-US" smtClean="0"/>
+              <a:rPr lang="en-US"/>
               <a:t>Second level</a:t>
             </a:r>
           </a:p>
           <a:p>
             <a:pPr lvl="2"/>
             <a:r>
-              <a:rPr lang="en-US" smtClean="0"/>
+              <a:rPr lang="en-US"/>
               <a:t>Third level</a:t>
             </a:r>
           </a:p>
           <a:p>
             <a:pPr lvl="3"/>
             <a:r>
-              <a:rPr lang="en-US" smtClean="0"/>
+              <a:rPr lang="en-US"/>
               <a:t>Fourth level</a:t>
             </a:r>
           </a:p>
           <a:p>
             <a:pPr lvl="4"/>
             <a:r>
-              <a:rPr lang="en-US" smtClean="0"/>
+              <a:rPr lang="en-US"/>
               <a:t>Fifth level</a:t>
             </a:r>
             <a:endParaRPr lang="en-US" dirty="0"/>
@@ -2073,7 +2073,7 @@
           <a:p>
             <a:pPr lvl="0"/>
             <a:r>
-              <a:rPr lang="en-US" smtClean="0"/>
+              <a:rPr lang="en-US"/>
               <a:t>Edit Master text styles</a:t>
             </a:r>
           </a:p>
@@ -2096,7 +2096,7 @@
           <a:p>
             <a:fld id="{F4F5EFFA-7ED9-4457-8827-5AF78EB79B06}" type="datetimeFigureOut">
               <a:rPr lang="en-US" smtClean="0"/>
-              <a:t>1/17/2020</a:t>
+              <a:t>19-Jan-20</a:t>
             </a:fld>
             <a:endParaRPr lang="en-US"/>
           </a:p>
@@ -2199,7 +2199,7 @@
           </a:lstStyle>
           <a:p>
             <a:r>
-              <a:rPr lang="en-US" smtClean="0"/>
+              <a:rPr lang="en-US"/>
               <a:t>Click to edit Master title style</a:t>
             </a:r>
             <a:endParaRPr lang="en-US" dirty="0"/>
@@ -2264,7 +2264,7 @@
           </a:lstStyle>
           <a:p>
             <a:r>
-              <a:rPr lang="en-US" smtClean="0"/>
+              <a:rPr lang="en-US"/>
               <a:t>Click icon to add picture</a:t>
             </a:r>
             <a:endParaRPr lang="en-US" dirty="0"/>
@@ -2330,7 +2330,7 @@
           <a:p>
             <a:pPr lvl="0"/>
             <a:r>
-              <a:rPr lang="en-US" smtClean="0"/>
+              <a:rPr lang="en-US"/>
               <a:t>Edit Master text styles</a:t>
             </a:r>
           </a:p>
@@ -2353,7 +2353,7 @@
           <a:p>
             <a:fld id="{F4F5EFFA-7ED9-4457-8827-5AF78EB79B06}" type="datetimeFigureOut">
               <a:rPr lang="en-US" smtClean="0"/>
-              <a:t>1/17/2020</a:t>
+              <a:t>19-Jan-20</a:t>
             </a:fld>
             <a:endParaRPr lang="en-US"/>
           </a:p>
@@ -2462,7 +2462,7 @@
           <a:lstStyle/>
           <a:p>
             <a:r>
-              <a:rPr lang="en-US" smtClean="0"/>
+              <a:rPr lang="en-US"/>
               <a:t>Click to edit Master title style</a:t>
             </a:r>
             <a:endParaRPr lang="en-US" dirty="0"/>
@@ -2496,35 +2496,35 @@
           <a:p>
             <a:pPr lvl="0"/>
             <a:r>
-              <a:rPr lang="en-US" smtClean="0"/>
+              <a:rPr lang="en-US"/>
               <a:t>Edit Master text styles</a:t>
             </a:r>
           </a:p>
           <a:p>
             <a:pPr lvl="1"/>
             <a:r>
-              <a:rPr lang="en-US" smtClean="0"/>
+              <a:rPr lang="en-US"/>
               <a:t>Second level</a:t>
             </a:r>
           </a:p>
           <a:p>
             <a:pPr lvl="2"/>
             <a:r>
-              <a:rPr lang="en-US" smtClean="0"/>
+              <a:rPr lang="en-US"/>
               <a:t>Third level</a:t>
             </a:r>
           </a:p>
           <a:p>
             <a:pPr lvl="3"/>
             <a:r>
-              <a:rPr lang="en-US" smtClean="0"/>
+              <a:rPr lang="en-US"/>
               <a:t>Fourth level</a:t>
             </a:r>
           </a:p>
           <a:p>
             <a:pPr lvl="4"/>
             <a:r>
-              <a:rPr lang="en-US" smtClean="0"/>
+              <a:rPr lang="en-US"/>
               <a:t>Fifth level</a:t>
             </a:r>
             <a:endParaRPr lang="en-US" dirty="0"/>
@@ -2566,7 +2566,7 @@
           <a:p>
             <a:fld id="{F4F5EFFA-7ED9-4457-8827-5AF78EB79B06}" type="datetimeFigureOut">
               <a:rPr lang="en-US" smtClean="0"/>
-              <a:t>1/17/2020</a:t>
+              <a:t>19-Jan-20</a:t>
             </a:fld>
             <a:endParaRPr lang="en-US"/>
           </a:p>
@@ -3031,8 +3031,8 @@
         </p:blipFill>
         <p:spPr>
           <a:xfrm>
-            <a:off x="21210731" y="3515345"/>
-            <a:ext cx="7639050" cy="3613420"/>
+            <a:off x="20979418" y="3569640"/>
+            <a:ext cx="7853105" cy="3714672"/>
           </a:xfrm>
           <a:prstGeom prst="rect">
             <a:avLst/>
@@ -3061,8 +3061,8 @@
         </p:blipFill>
         <p:spPr>
           <a:xfrm>
-            <a:off x="20779997" y="11674643"/>
-            <a:ext cx="8931353" cy="6379538"/>
+            <a:off x="20779998" y="12083664"/>
+            <a:ext cx="8358722" cy="5970516"/>
           </a:xfrm>
           <a:prstGeom prst="rect">
             <a:avLst/>
@@ -3091,7 +3091,7 @@
         </p:blipFill>
         <p:spPr>
           <a:xfrm>
-            <a:off x="11362616" y="12546802"/>
+            <a:off x="11234028" y="12503028"/>
             <a:ext cx="7972425" cy="7505700"/>
           </a:xfrm>
           <a:prstGeom prst="rect">
@@ -3188,18 +3188,9 @@
                 </a:solidFill>
                 <a:latin typeface="Garamond" panose="02020404030301010803" pitchFamily="18" charset="0"/>
               </a:rPr>
-              <a:t>Impact of events and trends on </a:t>
-            </a:r>
-            <a:r>
-              <a:rPr lang="en-US" sz="8500" b="1" dirty="0" smtClean="0">
-                <a:solidFill>
-                  <a:srgbClr val="232F3E"/>
-                </a:solidFill>
-                <a:latin typeface="Garamond" panose="02020404030301010803" pitchFamily="18" charset="0"/>
-              </a:rPr>
-              <a:t>Amazon</a:t>
-            </a:r>
-            <a:endParaRPr lang="en-US" sz="8500" dirty="0" smtClean="0">
+              <a:t>Impact of events and trends on Amazon</a:t>
+            </a:r>
+            <a:endParaRPr lang="en-US" sz="8500" dirty="0">
               <a:solidFill>
                 <a:srgbClr val="232F3E"/>
               </a:solidFill>
@@ -3287,7 +3278,7 @@
         <p:spPr>
           <a:xfrm>
             <a:off x="11109960" y="8509432"/>
-            <a:ext cx="8229600" cy="1200329"/>
+            <a:ext cx="8229600" cy="1077218"/>
           </a:xfrm>
           <a:prstGeom prst="rect">
             <a:avLst/>
@@ -3302,51 +3293,12 @@
           <a:p>
             <a:pPr algn="just"/>
             <a:r>
-              <a:rPr lang="en-US" sz="1800" dirty="0" smtClean="0">
-                <a:latin typeface="Calibri" panose="020F0502020204030204" pitchFamily="34" charset="0"/>
+              <a:rPr lang="en-US" sz="1600" dirty="0">
+                <a:latin typeface="Libre Caslon Text" panose="00000500000000000000" pitchFamily="2" charset="0"/>
                 <a:cs typeface="Calibri" panose="020F0502020204030204" pitchFamily="34" charset="0"/>
               </a:rPr>
-              <a:t>The first step of our analysis consists in </a:t>
-            </a:r>
-            <a:r>
-              <a:rPr lang="en-US" sz="1800" dirty="0" smtClean="0">
-                <a:latin typeface="Calibri" panose="020F0502020204030204" pitchFamily="34" charset="0"/>
-                <a:cs typeface="Calibri" panose="020F0502020204030204" pitchFamily="34" charset="0"/>
-              </a:rPr>
-              <a:t>identifying </a:t>
-            </a:r>
-            <a:r>
-              <a:rPr lang="en-US" sz="1800" dirty="0" smtClean="0">
-                <a:latin typeface="Calibri" panose="020F0502020204030204" pitchFamily="34" charset="0"/>
-                <a:cs typeface="Calibri" panose="020F0502020204030204" pitchFamily="34" charset="0"/>
-              </a:rPr>
-              <a:t>trends that evolved over time. Here, we </a:t>
-            </a:r>
-            <a:r>
-              <a:rPr lang="en-US" sz="1800" dirty="0" smtClean="0">
-                <a:latin typeface="Calibri" panose="020F0502020204030204" pitchFamily="34" charset="0"/>
-                <a:cs typeface="Calibri" panose="020F0502020204030204" pitchFamily="34" charset="0"/>
-              </a:rPr>
-              <a:t>take a look at veganism and </a:t>
-            </a:r>
-            <a:r>
-              <a:rPr lang="en-US" sz="1800" dirty="0" smtClean="0">
-                <a:latin typeface="Calibri" panose="020F0502020204030204" pitchFamily="34" charset="0"/>
-                <a:cs typeface="Calibri" panose="020F0502020204030204" pitchFamily="34" charset="0"/>
-              </a:rPr>
-              <a:t>notice an increase from the start of 2012 until the end of 2018. Additionally, with a linear regression we test whether the slope is null and it confirms our intuition since it yields a </a:t>
-            </a:r>
-            <a:r>
-              <a:rPr lang="en-US" sz="1800" dirty="0" smtClean="0">
-                <a:latin typeface="Calibri" panose="020F0502020204030204" pitchFamily="34" charset="0"/>
-                <a:cs typeface="Calibri" panose="020F0502020204030204" pitchFamily="34" charset="0"/>
-              </a:rPr>
-              <a:t>p-value close to 0.</a:t>
-            </a:r>
-            <a:endParaRPr lang="en-US" sz="1800" dirty="0">
-              <a:latin typeface="Calibri" panose="020F0502020204030204" pitchFamily="34" charset="0"/>
-              <a:cs typeface="Calibri" panose="020F0502020204030204" pitchFamily="34" charset="0"/>
-            </a:endParaRPr>
+              <a:t>The first step of our analysis consists in identifying trends that evolved over time. Here, we take a look at veganism and notice an increase from the start of 2012 until the end of 2018. Additionally, with a linear regression we test whether the slope is null and it confirms our intuition since it yields a p-value close to 0.</a:t>
+            </a:r>
           </a:p>
         </p:txBody>
       </p:sp>
@@ -3359,7 +3311,7 @@
         <p:spPr>
           <a:xfrm>
             <a:off x="20964511" y="7816934"/>
-            <a:ext cx="8229600" cy="2585323"/>
+            <a:ext cx="8229600" cy="2554545"/>
           </a:xfrm>
           <a:prstGeom prst="rect">
             <a:avLst/>
@@ -3374,128 +3326,26 @@
           <a:p>
             <a:pPr algn="just"/>
             <a:r>
-              <a:rPr lang="en-US" sz="1800" dirty="0" smtClean="0">
-                <a:latin typeface="Calibri" panose="020F0502020204030204" pitchFamily="34" charset="0"/>
+              <a:rPr lang="en-US" sz="1600" dirty="0">
+                <a:latin typeface="Libre Caslon Text" panose="00000500000000000000" pitchFamily="2" charset="0"/>
                 <a:cs typeface="Calibri" panose="020F0502020204030204" pitchFamily="34" charset="0"/>
               </a:rPr>
-              <a:t>Whereas the previous analysis shows how events or trends affect the </a:t>
-            </a:r>
-            <a:r>
-              <a:rPr lang="en-US" sz="1800" dirty="0" smtClean="0">
-                <a:latin typeface="Calibri" panose="020F0502020204030204" pitchFamily="34" charset="0"/>
-                <a:cs typeface="Calibri" panose="020F0502020204030204" pitchFamily="34" charset="0"/>
-              </a:rPr>
-              <a:t>user’s reviews, </a:t>
-            </a:r>
-            <a:r>
-              <a:rPr lang="en-US" sz="1800" dirty="0" smtClean="0">
-                <a:latin typeface="Calibri" panose="020F0502020204030204" pitchFamily="34" charset="0"/>
-                <a:cs typeface="Calibri" panose="020F0502020204030204" pitchFamily="34" charset="0"/>
-              </a:rPr>
-              <a:t>we </a:t>
-            </a:r>
-            <a:r>
-              <a:rPr lang="en-US" sz="1800" dirty="0" smtClean="0">
-                <a:latin typeface="Calibri" panose="020F0502020204030204" pitchFamily="34" charset="0"/>
-                <a:cs typeface="Calibri" panose="020F0502020204030204" pitchFamily="34" charset="0"/>
-              </a:rPr>
-              <a:t>can also </a:t>
-            </a:r>
-            <a:r>
-              <a:rPr lang="en-US" sz="1800" dirty="0" smtClean="0">
-                <a:latin typeface="Calibri" panose="020F0502020204030204" pitchFamily="34" charset="0"/>
-                <a:cs typeface="Calibri" panose="020F0502020204030204" pitchFamily="34" charset="0"/>
-              </a:rPr>
-              <a:t>ask </a:t>
-            </a:r>
-            <a:r>
-              <a:rPr lang="en-US" sz="1800" dirty="0" smtClean="0">
-                <a:latin typeface="Calibri" panose="020F0502020204030204" pitchFamily="34" charset="0"/>
-                <a:cs typeface="Calibri" panose="020F0502020204030204" pitchFamily="34" charset="0"/>
-              </a:rPr>
-              <a:t>ourselves </a:t>
-            </a:r>
-            <a:r>
-              <a:rPr lang="en-US" sz="1800" dirty="0" smtClean="0">
-                <a:latin typeface="Calibri" panose="020F0502020204030204" pitchFamily="34" charset="0"/>
-                <a:cs typeface="Calibri" panose="020F0502020204030204" pitchFamily="34" charset="0"/>
-              </a:rPr>
-              <a:t>how products </a:t>
-            </a:r>
-            <a:r>
-              <a:rPr lang="en-US" sz="1800" dirty="0" smtClean="0">
-                <a:latin typeface="Calibri" panose="020F0502020204030204" pitchFamily="34" charset="0"/>
-                <a:cs typeface="Calibri" panose="020F0502020204030204" pitchFamily="34" charset="0"/>
-              </a:rPr>
-              <a:t>are </a:t>
-            </a:r>
-            <a:r>
-              <a:rPr lang="en-US" sz="1800" dirty="0" smtClean="0">
-                <a:latin typeface="Calibri" panose="020F0502020204030204" pitchFamily="34" charset="0"/>
-                <a:cs typeface="Calibri" panose="020F0502020204030204" pitchFamily="34" charset="0"/>
-              </a:rPr>
-              <a:t>affected. The goal is to see how Christmas affects products' number of reviews</a:t>
-            </a:r>
-            <a:r>
-              <a:rPr lang="en-US" sz="1800" dirty="0">
-                <a:latin typeface="Calibri" panose="020F0502020204030204" pitchFamily="34" charset="0"/>
-                <a:cs typeface="Calibri" panose="020F0502020204030204" pitchFamily="34" charset="0"/>
-              </a:rPr>
-              <a:t>. In order to do so, we use </a:t>
-            </a:r>
-            <a:r>
-              <a:rPr lang="en-US" sz="1800" dirty="0" smtClean="0">
-                <a:latin typeface="Calibri" panose="020F0502020204030204" pitchFamily="34" charset="0"/>
-                <a:cs typeface="Calibri" panose="020F0502020204030204" pitchFamily="34" charset="0"/>
-              </a:rPr>
-              <a:t>structural </a:t>
-            </a:r>
-            <a:r>
-              <a:rPr lang="en-US" sz="1800" dirty="0" err="1" smtClean="0">
-                <a:latin typeface="Calibri" panose="020F0502020204030204" pitchFamily="34" charset="0"/>
+              <a:t>Whereas the previous analysis shows how events or trends affect the user’s reviews, we can also ask ourselves how products are affected. The goal is to see how Christmas affects products' number of reviews. In order to do so, we use structural </a:t>
+            </a:r>
+            <a:r>
+              <a:rPr lang="en-US" sz="1600" dirty="0" err="1">
+                <a:latin typeface="Libre Caslon Text" panose="00000500000000000000" pitchFamily="2" charset="0"/>
                 <a:cs typeface="Calibri" panose="020F0502020204030204" pitchFamily="34" charset="0"/>
               </a:rPr>
               <a:t>bayesian</a:t>
             </a:r>
             <a:r>
-              <a:rPr lang="en-US" sz="1800" dirty="0" smtClean="0">
-                <a:latin typeface="Calibri" panose="020F0502020204030204" pitchFamily="34" charset="0"/>
+              <a:rPr lang="en-US" sz="1600" dirty="0">
+                <a:latin typeface="Libre Caslon Text" panose="00000500000000000000" pitchFamily="2" charset="0"/>
                 <a:cs typeface="Calibri" panose="020F0502020204030204" pitchFamily="34" charset="0"/>
               </a:rPr>
-              <a:t> time series. We choose one product we want to study and other related products that shouldn’t be impacted by Christmas. We decide to look a Christmas nut-gift basket and compare it with other nuts or chocolate-nut bars. </a:t>
-            </a:r>
-            <a:r>
-              <a:rPr lang="en-US" sz="1800" dirty="0" smtClean="0">
-                <a:latin typeface="Calibri" panose="020F0502020204030204" pitchFamily="34" charset="0"/>
-                <a:cs typeface="Calibri" panose="020F0502020204030204" pitchFamily="34" charset="0"/>
-              </a:rPr>
-              <a:t>Finally </a:t>
-            </a:r>
-            <a:r>
-              <a:rPr lang="en-US" sz="1800" dirty="0" smtClean="0">
-                <a:latin typeface="Calibri" panose="020F0502020204030204" pitchFamily="34" charset="0"/>
-                <a:cs typeface="Calibri" panose="020F0502020204030204" pitchFamily="34" charset="0"/>
-              </a:rPr>
-              <a:t>the </a:t>
-            </a:r>
-            <a:r>
-              <a:rPr lang="en-US" sz="1800" dirty="0" smtClean="0">
-                <a:latin typeface="Calibri" panose="020F0502020204030204" pitchFamily="34" charset="0"/>
-                <a:cs typeface="Calibri" panose="020F0502020204030204" pitchFamily="34" charset="0"/>
-              </a:rPr>
-              <a:t>blue </a:t>
-            </a:r>
-            <a:r>
-              <a:rPr lang="en-US" sz="1800" dirty="0" smtClean="0">
-                <a:latin typeface="Calibri" panose="020F0502020204030204" pitchFamily="34" charset="0"/>
-                <a:cs typeface="Calibri" panose="020F0502020204030204" pitchFamily="34" charset="0"/>
-              </a:rPr>
-              <a:t>area around the predicted curve symbolizes how sure the model is about the prediction. Therefore, we can notice that without the impact of Christmas, the product we chose would not have met such a high popularity in December.</a:t>
-            </a:r>
-            <a:endParaRPr lang="en-US" sz="1800" dirty="0">
-              <a:latin typeface="Calibri" panose="020F0502020204030204" pitchFamily="34" charset="0"/>
-              <a:cs typeface="Calibri" panose="020F0502020204030204" pitchFamily="34" charset="0"/>
-            </a:endParaRPr>
+              <a:t> time series. We choose one product we want to study and other related products that shouldn’t be impacted by Christmas. We decide to look a Christmas nut-gift basket and compare it with other nuts or chocolate-nut bars. Finally the blue area around the predicted curve symbolizes how sure the model is about the prediction. Therefore, we can notice that without the impact of Christmas, the product we chose would not have met such a high popularity in December.</a:t>
+            </a:r>
           </a:p>
         </p:txBody>
       </p:sp>
@@ -3640,7 +3490,7 @@
         <p:spPr>
           <a:xfrm>
             <a:off x="2888701" y="15436532"/>
-            <a:ext cx="4448910" cy="1631216"/>
+            <a:ext cx="4480714" cy="1477328"/>
           </a:xfrm>
           <a:prstGeom prst="rect">
             <a:avLst/>
@@ -3657,8 +3507,8 @@
               <a:buAutoNum type="arabicPeriod"/>
             </a:pPr>
             <a:r>
-              <a:rPr lang="en-US" sz="2000" b="1" dirty="0" smtClean="0">
-                <a:latin typeface="Garamond" panose="02020404030301010803" pitchFamily="18" charset="0"/>
+              <a:rPr lang="en-US" sz="1800" dirty="0">
+                <a:latin typeface="Libre Caslon Text" panose="00000500000000000000" pitchFamily="2" charset="0"/>
               </a:rPr>
               <a:t>Lower-case</a:t>
             </a:r>
@@ -3668,8 +3518,8 @@
               <a:buAutoNum type="arabicPeriod"/>
             </a:pPr>
             <a:r>
-              <a:rPr lang="en-US" sz="2000" b="1" dirty="0" smtClean="0">
-                <a:latin typeface="Garamond" panose="02020404030301010803" pitchFamily="18" charset="0"/>
+              <a:rPr lang="en-US" sz="1800" dirty="0">
+                <a:latin typeface="Libre Caslon Text" panose="00000500000000000000" pitchFamily="2" charset="0"/>
               </a:rPr>
               <a:t>Remove numbers and punctuation</a:t>
             </a:r>
@@ -3679,8 +3529,8 @@
               <a:buAutoNum type="arabicPeriod"/>
             </a:pPr>
             <a:r>
-              <a:rPr lang="en-US" sz="2000" b="1" dirty="0" smtClean="0">
-                <a:latin typeface="Garamond" panose="02020404030301010803" pitchFamily="18" charset="0"/>
+              <a:rPr lang="en-US" sz="1800" dirty="0">
+                <a:latin typeface="Libre Caslon Text" panose="00000500000000000000" pitchFamily="2" charset="0"/>
               </a:rPr>
               <a:t>Tokenization</a:t>
             </a:r>
@@ -3690,8 +3540,8 @@
               <a:buAutoNum type="arabicPeriod"/>
             </a:pPr>
             <a:r>
-              <a:rPr lang="en-US" sz="2000" b="1" dirty="0" smtClean="0">
-                <a:latin typeface="Garamond" panose="02020404030301010803" pitchFamily="18" charset="0"/>
+              <a:rPr lang="en-US" sz="1800" dirty="0">
+                <a:latin typeface="Libre Caslon Text" panose="00000500000000000000" pitchFamily="2" charset="0"/>
               </a:rPr>
               <a:t>Lemmatization</a:t>
             </a:r>
@@ -3701,8 +3551,8 @@
               <a:buAutoNum type="arabicPeriod"/>
             </a:pPr>
             <a:r>
-              <a:rPr lang="en-US" sz="2000" b="1" dirty="0" smtClean="0">
-                <a:latin typeface="Garamond" panose="02020404030301010803" pitchFamily="18" charset="0"/>
+              <a:rPr lang="en-US" sz="1800" dirty="0">
+                <a:latin typeface="Libre Caslon Text" panose="00000500000000000000" pitchFamily="2" charset="0"/>
               </a:rPr>
               <a:t>Remove stop-words</a:t>
             </a:r>
@@ -3718,7 +3568,7 @@
         <p:spPr>
           <a:xfrm>
             <a:off x="1463039" y="3099816"/>
-            <a:ext cx="8229600" cy="923330"/>
+            <a:ext cx="8229600" cy="830997"/>
           </a:xfrm>
           <a:prstGeom prst="rect">
             <a:avLst/>
@@ -3733,65 +3583,26 @@
           <a:p>
             <a:pPr algn="just"/>
             <a:r>
-              <a:rPr lang="en-US" sz="1800" dirty="0" smtClean="0">
-                <a:latin typeface="Calibri" panose="020F0502020204030204" pitchFamily="34" charset="0"/>
+              <a:rPr lang="en-US" sz="1600" dirty="0">
+                <a:latin typeface="Libre Caslon Text" panose="00000500000000000000" pitchFamily="2" charset="0"/>
                 <a:cs typeface="Calibri" panose="020F0502020204030204" pitchFamily="34" charset="0"/>
               </a:rPr>
               <a:t>The dataset contains information about products from Amazon's </a:t>
             </a:r>
             <a:r>
-              <a:rPr lang="en-US" sz="1800" i="1" dirty="0" smtClean="0">
-                <a:latin typeface="Calibri" panose="020F0502020204030204" pitchFamily="34" charset="0"/>
+              <a:rPr lang="en-US" sz="1600" i="1" dirty="0">
+                <a:latin typeface="Libre Caslon Text" panose="00000500000000000000" pitchFamily="2" charset="0"/>
                 <a:cs typeface="Calibri" panose="020F0502020204030204" pitchFamily="34" charset="0"/>
               </a:rPr>
               <a:t>Grocery &amp; Gourmet Food </a:t>
             </a:r>
             <a:r>
-              <a:rPr lang="en-US" sz="1800" dirty="0" smtClean="0">
-                <a:latin typeface="Calibri" panose="020F0502020204030204" pitchFamily="34" charset="0"/>
+              <a:rPr lang="en-US" sz="1600" dirty="0">
+                <a:latin typeface="Libre Caslon Text" panose="00000500000000000000" pitchFamily="2" charset="0"/>
                 <a:cs typeface="Calibri" panose="020F0502020204030204" pitchFamily="34" charset="0"/>
               </a:rPr>
-              <a:t>category along with their reviews. Our findings are mainly, but not only, based </a:t>
-            </a:r>
-            <a:r>
-              <a:rPr lang="en-US" sz="1800" dirty="0" smtClean="0">
-                <a:latin typeface="Calibri" panose="020F0502020204030204" pitchFamily="34" charset="0"/>
-                <a:cs typeface="Calibri" panose="020F0502020204030204" pitchFamily="34" charset="0"/>
-              </a:rPr>
-              <a:t>on </a:t>
-            </a:r>
-            <a:r>
-              <a:rPr lang="en-US" sz="1800" dirty="0" smtClean="0">
-                <a:latin typeface="Calibri" panose="020F0502020204030204" pitchFamily="34" charset="0"/>
-                <a:cs typeface="Calibri" panose="020F0502020204030204" pitchFamily="34" charset="0"/>
-              </a:rPr>
-              <a:t>the text </a:t>
-            </a:r>
-            <a:r>
-              <a:rPr lang="en-US" sz="1800" dirty="0" smtClean="0">
-                <a:latin typeface="Calibri" panose="020F0502020204030204" pitchFamily="34" charset="0"/>
-                <a:cs typeface="Calibri" panose="020F0502020204030204" pitchFamily="34" charset="0"/>
-              </a:rPr>
-              <a:t>of </a:t>
-            </a:r>
-            <a:r>
-              <a:rPr lang="en-US" sz="1800" dirty="0" smtClean="0">
-                <a:latin typeface="Calibri" panose="020F0502020204030204" pitchFamily="34" charset="0"/>
-                <a:cs typeface="Calibri" panose="020F0502020204030204" pitchFamily="34" charset="0"/>
-              </a:rPr>
-              <a:t>the reviews</a:t>
-            </a:r>
-            <a:r>
-              <a:rPr lang="en-US" sz="1800" dirty="0" smtClean="0">
-                <a:latin typeface="Calibri" panose="020F0502020204030204" pitchFamily="34" charset="0"/>
-                <a:cs typeface="Calibri" panose="020F0502020204030204" pitchFamily="34" charset="0"/>
-              </a:rPr>
-              <a:t>.</a:t>
-            </a:r>
-            <a:endParaRPr lang="en-US" sz="1800" dirty="0">
-              <a:latin typeface="Calibri" panose="020F0502020204030204" pitchFamily="34" charset="0"/>
-              <a:cs typeface="Calibri" panose="020F0502020204030204" pitchFamily="34" charset="0"/>
-            </a:endParaRPr>
+              <a:t>category along with their reviews. Our findings are mainly, but not only, based on the text of the reviews.</a:t>
+            </a:r>
           </a:p>
         </p:txBody>
       </p:sp>
@@ -3803,8 +3614,8 @@
         </p:nvSpPr>
         <p:spPr>
           <a:xfrm>
-            <a:off x="11105441" y="10935979"/>
-            <a:ext cx="8229600" cy="1477328"/>
+            <a:off x="11105441" y="10916929"/>
+            <a:ext cx="8229600" cy="1323439"/>
           </a:xfrm>
           <a:prstGeom prst="rect">
             <a:avLst/>
@@ -3819,54 +3630,11 @@
           <a:p>
             <a:pPr algn="just"/>
             <a:r>
-              <a:rPr lang="en-US" sz="1800" dirty="0" smtClean="0"/>
-              <a:t>A second axis of </a:t>
-            </a:r>
-            <a:r>
-              <a:rPr lang="en-US" sz="1800" dirty="0" smtClean="0"/>
-              <a:t>our analysis </a:t>
-            </a:r>
-            <a:r>
-              <a:rPr lang="en-US" sz="1800" dirty="0" smtClean="0"/>
-              <a:t>is to measure the impact of events in our dataset and draw conclusion from that. Here is </a:t>
-            </a:r>
-            <a:r>
-              <a:rPr lang="en-US" sz="1800" dirty="0" smtClean="0"/>
-              <a:t>the </a:t>
-            </a:r>
-            <a:r>
-              <a:rPr lang="en-US" sz="1800" dirty="0" smtClean="0"/>
-              <a:t>case of Valentine's day. We </a:t>
-            </a:r>
-            <a:r>
-              <a:rPr lang="en-US" sz="1800" dirty="0" smtClean="0"/>
-              <a:t>measure </a:t>
-            </a:r>
-            <a:r>
-              <a:rPr lang="en-US" sz="1800" dirty="0" smtClean="0"/>
-              <a:t>how much the words </a:t>
-            </a:r>
-            <a:r>
-              <a:rPr lang="en-US" sz="1800" dirty="0" smtClean="0"/>
-              <a:t>characterize </a:t>
-            </a:r>
-            <a:r>
-              <a:rPr lang="en-US" sz="1800" dirty="0" smtClean="0"/>
-              <a:t>the event using the evolution of their frequency. We plot the most important words for Valentine's day in a word cloud, each color </a:t>
-            </a:r>
-            <a:r>
-              <a:rPr lang="en-US" sz="1800" dirty="0" smtClean="0"/>
-              <a:t>represents </a:t>
-            </a:r>
-            <a:r>
-              <a:rPr lang="en-US" sz="1800" dirty="0" smtClean="0"/>
-              <a:t>a theme</a:t>
-            </a:r>
-            <a:r>
-              <a:rPr lang="en-US" sz="1800" dirty="0" smtClean="0"/>
-              <a:t>. We can see how these themes relate to Valentine’s day.</a:t>
-            </a:r>
-            <a:endParaRPr lang="en-US" sz="1800" dirty="0"/>
+              <a:rPr lang="en-US" sz="1600" dirty="0">
+                <a:latin typeface="Libre Caslon Text" panose="00000500000000000000" pitchFamily="2" charset="0"/>
+              </a:rPr>
+              <a:t>A second axis of our analysis is to measure the impact of events in our dataset and draw conclusion from that. Here is the case of Valentine's day. We measure how much the words characterize the event using the evolution of their frequency. We plot the most important words for Valentine's day in a word cloud, each color represents a theme. We can see how these themes relate to Valentine’s day.</a:t>
+            </a:r>
           </a:p>
         </p:txBody>
       </p:sp>
@@ -3879,7 +3647,7 @@
         <p:spPr>
           <a:xfrm>
             <a:off x="20964511" y="18214084"/>
-            <a:ext cx="8229600" cy="1477328"/>
+            <a:ext cx="8229600" cy="1323439"/>
           </a:xfrm>
           <a:prstGeom prst="rect">
             <a:avLst/>
@@ -3894,72 +3662,26 @@
           <a:p>
             <a:pPr algn="just"/>
             <a:r>
-              <a:rPr lang="en-US" sz="1800" dirty="0" smtClean="0">
-                <a:latin typeface="Calibri" panose="020F0502020204030204" pitchFamily="34" charset="0"/>
+              <a:rPr lang="en-US" sz="1600" dirty="0">
+                <a:latin typeface="Libre Caslon Text" panose="00000500000000000000" pitchFamily="2" charset="0"/>
                 <a:cs typeface="Calibri" panose="020F0502020204030204" pitchFamily="34" charset="0"/>
               </a:rPr>
-              <a:t>During this project, we analyzed three events, namely Valentine's Day, Christmas and Easter. From the words that characterize the events, we can </a:t>
-            </a:r>
-            <a:r>
-              <a:rPr lang="en-US" sz="1800" dirty="0" smtClean="0">
-                <a:latin typeface="Calibri" panose="020F0502020204030204" pitchFamily="34" charset="0"/>
-                <a:cs typeface="Calibri" panose="020F0502020204030204" pitchFamily="34" charset="0"/>
-              </a:rPr>
-              <a:t>measure how much the </a:t>
-            </a:r>
-            <a:r>
-              <a:rPr lang="en-US" sz="1800" dirty="0" smtClean="0">
-                <a:latin typeface="Calibri" panose="020F0502020204030204" pitchFamily="34" charset="0"/>
-                <a:cs typeface="Calibri" panose="020F0502020204030204" pitchFamily="34" charset="0"/>
-              </a:rPr>
-              <a:t>event </a:t>
-            </a:r>
-            <a:r>
-              <a:rPr lang="en-US" sz="1800" dirty="0" smtClean="0">
-                <a:latin typeface="Calibri" panose="020F0502020204030204" pitchFamily="34" charset="0"/>
-                <a:cs typeface="Calibri" panose="020F0502020204030204" pitchFamily="34" charset="0"/>
-              </a:rPr>
-              <a:t>is present on </a:t>
-            </a:r>
-            <a:r>
-              <a:rPr lang="en-US" sz="1800" dirty="0" smtClean="0">
-                <a:latin typeface="Calibri" panose="020F0502020204030204" pitchFamily="34" charset="0"/>
-                <a:cs typeface="Calibri" panose="020F0502020204030204" pitchFamily="34" charset="0"/>
-              </a:rPr>
-              <a:t>Amazon's </a:t>
-            </a:r>
-            <a:r>
-              <a:rPr lang="en-US" sz="1800" i="1" dirty="0" smtClean="0">
-                <a:latin typeface="Calibri" panose="020F0502020204030204" pitchFamily="34" charset="0"/>
+              <a:t>During this project, we analyzed three events, namely Valentine's Day, Christmas and Easter. From the words that characterize the events, we can measure how much the event is present on Amazon's </a:t>
+            </a:r>
+            <a:r>
+              <a:rPr lang="en-US" sz="1600" i="1" dirty="0">
+                <a:latin typeface="Libre Caslon Text" panose="00000500000000000000" pitchFamily="2" charset="0"/>
                 <a:cs typeface="Calibri" panose="020F0502020204030204" pitchFamily="34" charset="0"/>
               </a:rPr>
               <a:t>Grocery &amp; Gourmet Food</a:t>
             </a:r>
             <a:r>
-              <a:rPr lang="en-US" sz="1800" dirty="0" smtClean="0">
-                <a:latin typeface="Calibri" panose="020F0502020204030204" pitchFamily="34" charset="0"/>
+              <a:rPr lang="en-US" sz="1600" dirty="0">
+                <a:latin typeface="Libre Caslon Text" panose="00000500000000000000" pitchFamily="2" charset="0"/>
                 <a:cs typeface="Calibri" panose="020F0502020204030204" pitchFamily="34" charset="0"/>
               </a:rPr>
-              <a:t> at a given time. This gives us a view on the popularity of these events throughout the year</a:t>
-            </a:r>
-            <a:r>
-              <a:rPr lang="en-US" sz="1800" dirty="0" smtClean="0">
-                <a:latin typeface="Calibri" panose="020F0502020204030204" pitchFamily="34" charset="0"/>
-                <a:cs typeface="Calibri" panose="020F0502020204030204" pitchFamily="34" charset="0"/>
-              </a:rPr>
-              <a:t>. We can see how Christmas dominates the two other </a:t>
-            </a:r>
-            <a:r>
-              <a:rPr lang="en-US" sz="1800" dirty="0" smtClean="0">
-                <a:latin typeface="Calibri" panose="020F0502020204030204" pitchFamily="34" charset="0"/>
-                <a:cs typeface="Calibri" panose="020F0502020204030204" pitchFamily="34" charset="0"/>
-              </a:rPr>
-              <a:t>events.</a:t>
-            </a:r>
-            <a:endParaRPr lang="en-US" sz="1800" dirty="0">
-              <a:latin typeface="Calibri" panose="020F0502020204030204" pitchFamily="34" charset="0"/>
-              <a:cs typeface="Calibri" panose="020F0502020204030204" pitchFamily="34" charset="0"/>
-            </a:endParaRPr>
+              <a:t> at a given time. This gives us a view on the popularity of these events throughout the year. We can see how Christmas dominates the two other events.</a:t>
+            </a:r>
           </a:p>
         </p:txBody>
       </p:sp>
@@ -3972,7 +3694,7 @@
         <p:spPr>
           <a:xfrm>
             <a:off x="1463039" y="9303279"/>
-            <a:ext cx="5716308" cy="1754326"/>
+            <a:ext cx="6046848" cy="1569660"/>
           </a:xfrm>
           <a:prstGeom prst="rect">
             <a:avLst/>
@@ -3986,25 +3708,25 @@
           <a:lstStyle/>
           <a:p>
             <a:r>
-              <a:rPr lang="fr-CH" sz="1800" b="1" dirty="0" smtClean="0">
-                <a:latin typeface="Garamond" panose="02020404030301010803" pitchFamily="18" charset="0"/>
+              <a:rPr lang="fr-CH" sz="1600" b="1" dirty="0">
+                <a:latin typeface="Libre Caslon Text" panose="00000500000000000000" pitchFamily="2" charset="0"/>
               </a:rPr>
               <a:t>A few </a:t>
             </a:r>
             <a:r>
-              <a:rPr lang="en-US" sz="1800" b="1" dirty="0" smtClean="0">
-                <a:latin typeface="Garamond" panose="02020404030301010803" pitchFamily="18" charset="0"/>
+              <a:rPr lang="en-US" sz="1600" b="1" dirty="0">
+                <a:latin typeface="Libre Caslon Text" panose="00000500000000000000" pitchFamily="2" charset="0"/>
               </a:rPr>
               <a:t>statistics</a:t>
             </a:r>
             <a:r>
-              <a:rPr lang="fr-CH" sz="1800" b="1" dirty="0" smtClean="0">
-                <a:latin typeface="Garamond" panose="02020404030301010803" pitchFamily="18" charset="0"/>
+              <a:rPr lang="fr-CH" sz="1600" b="1" dirty="0">
+                <a:latin typeface="Libre Caslon Text" panose="00000500000000000000" pitchFamily="2" charset="0"/>
               </a:rPr>
               <a:t>:</a:t>
             </a:r>
-            <a:endParaRPr lang="en-US" sz="1800" b="1" dirty="0" smtClean="0">
-              <a:latin typeface="Garamond" panose="02020404030301010803" pitchFamily="18" charset="0"/>
+            <a:endParaRPr lang="en-US" sz="1600" b="1" dirty="0">
+              <a:latin typeface="Libre Caslon Text" panose="00000500000000000000" pitchFamily="2" charset="0"/>
             </a:endParaRPr>
           </a:p>
           <a:p>
@@ -4013,8 +3735,8 @@
               <a:buChar char="•"/>
             </a:pPr>
             <a:r>
-              <a:rPr lang="en-US" sz="1800" dirty="0" smtClean="0">
-                <a:latin typeface="Garamond" panose="02020404030301010803" pitchFamily="18" charset="0"/>
+              <a:rPr lang="en-US" sz="1600" dirty="0">
+                <a:latin typeface="Libre Caslon Text" panose="00000500000000000000" pitchFamily="2" charset="0"/>
               </a:rPr>
               <a:t>5 million reviews</a:t>
             </a:r>
@@ -4025,8 +3747,8 @@
               <a:buChar char="•"/>
             </a:pPr>
             <a:r>
-              <a:rPr lang="en-US" sz="1800" dirty="0" smtClean="0">
-                <a:latin typeface="Garamond" panose="02020404030301010803" pitchFamily="18" charset="0"/>
+              <a:rPr lang="en-US" sz="1600" dirty="0">
+                <a:latin typeface="Libre Caslon Text" panose="00000500000000000000" pitchFamily="2" charset="0"/>
               </a:rPr>
               <a:t>2.7 million reviewers</a:t>
             </a:r>
@@ -4037,8 +3759,8 @@
               <a:buChar char="•"/>
             </a:pPr>
             <a:r>
-              <a:rPr lang="en-US" sz="1800" dirty="0" smtClean="0">
-                <a:latin typeface="Garamond" panose="02020404030301010803" pitchFamily="18" charset="0"/>
+              <a:rPr lang="en-US" sz="1600" dirty="0">
+                <a:latin typeface="Libre Caslon Text" panose="00000500000000000000" pitchFamily="2" charset="0"/>
               </a:rPr>
               <a:t>5GB of text and metadata</a:t>
             </a:r>
@@ -4049,8 +3771,8 @@
               <a:buChar char="•"/>
             </a:pPr>
             <a:r>
-              <a:rPr lang="en-US" sz="1800" dirty="0" smtClean="0">
-                <a:latin typeface="Garamond" panose="02020404030301010803" pitchFamily="18" charset="0"/>
+              <a:rPr lang="en-US" sz="1600" dirty="0">
+                <a:latin typeface="Libre Caslon Text" panose="00000500000000000000" pitchFamily="2" charset="0"/>
               </a:rPr>
               <a:t>More than 90% of reviews between 2013 and end of 2018</a:t>
             </a:r>
@@ -4061,14 +3783,11 @@
               <a:buChar char="•"/>
             </a:pPr>
             <a:r>
-              <a:rPr lang="en-US" sz="1800" dirty="0" smtClean="0">
-                <a:latin typeface="Garamond" panose="02020404030301010803" pitchFamily="18" charset="0"/>
+              <a:rPr lang="en-US" sz="1600" dirty="0">
+                <a:latin typeface="Libre Caslon Text" panose="00000500000000000000" pitchFamily="2" charset="0"/>
               </a:rPr>
               <a:t>Data collection stopped throughout 2018</a:t>
             </a:r>
-            <a:endParaRPr lang="en-US" sz="1800" dirty="0">
-              <a:latin typeface="Garamond" panose="02020404030301010803" pitchFamily="18" charset="0"/>
-            </a:endParaRPr>
           </a:p>
         </p:txBody>
       </p:sp>
@@ -4080,8 +3799,8 @@
         </p:nvSpPr>
         <p:spPr>
           <a:xfrm>
-            <a:off x="24784836" y="7103518"/>
-            <a:ext cx="490840" cy="246221"/>
+            <a:off x="24653673" y="7242815"/>
+            <a:ext cx="504594" cy="249294"/>
           </a:xfrm>
           <a:prstGeom prst="rect">
             <a:avLst/>
@@ -4089,13 +3808,13 @@
           <a:noFill/>
         </p:spPr>
         <p:txBody>
-          <a:bodyPr wrap="none" rtlCol="0">
+          <a:bodyPr wrap="square" rtlCol="0">
             <a:spAutoFit/>
           </a:bodyPr>
           <a:lstStyle/>
           <a:p>
             <a:r>
-              <a:rPr lang="fr-CH" sz="1000" dirty="0" smtClean="0">
+              <a:rPr lang="fr-CH" sz="1000" dirty="0">
                 <a:latin typeface="DejaVu Sans" panose="020B0603030804020204" pitchFamily="34" charset="0"/>
                 <a:ea typeface="DejaVu Sans" panose="020B0603030804020204" pitchFamily="34" charset="0"/>
                 <a:cs typeface="DejaVu Sans" panose="020B0603030804020204" pitchFamily="34" charset="0"/>
@@ -4118,8 +3837,8 @@
         </p:nvSpPr>
         <p:spPr>
           <a:xfrm rot="16200000">
-            <a:off x="20389353" y="5198945"/>
-            <a:ext cx="1396536" cy="246221"/>
+            <a:off x="20150863" y="5260420"/>
+            <a:ext cx="1413968" cy="249296"/>
           </a:xfrm>
           <a:prstGeom prst="rect">
             <a:avLst/>
@@ -4127,24 +3846,19 @@
           <a:noFill/>
         </p:spPr>
         <p:txBody>
-          <a:bodyPr wrap="none" rtlCol="0">
+          <a:bodyPr wrap="square" rtlCol="0">
             <a:spAutoFit/>
           </a:bodyPr>
           <a:lstStyle/>
           <a:p>
             <a:r>
-              <a:rPr lang="en-US" sz="1000" dirty="0" smtClean="0">
+              <a:rPr lang="en-US" sz="1000" dirty="0">
                 <a:latin typeface="DejaVu Sans" panose="020B0603030804020204" pitchFamily="34" charset="0"/>
                 <a:ea typeface="DejaVu Sans" panose="020B0603030804020204" pitchFamily="34" charset="0"/>
                 <a:cs typeface="DejaVu Sans" panose="020B0603030804020204" pitchFamily="34" charset="0"/>
               </a:rPr>
               <a:t>Number of reviews</a:t>
             </a:r>
-            <a:endParaRPr lang="en-US" sz="1000" dirty="0">
-              <a:latin typeface="DejaVu Sans" panose="020B0603030804020204" pitchFamily="34" charset="0"/>
-              <a:ea typeface="DejaVu Sans" panose="020B0603030804020204" pitchFamily="34" charset="0"/>
-              <a:cs typeface="DejaVu Sans" panose="020B0603030804020204" pitchFamily="34" charset="0"/>
-            </a:endParaRPr>
           </a:p>
         </p:txBody>
       </p:sp>
@@ -4156,8 +3870,8 @@
         </p:nvSpPr>
         <p:spPr>
           <a:xfrm>
-            <a:off x="23859672" y="3238346"/>
-            <a:ext cx="2321598" cy="276999"/>
+            <a:off x="23628360" y="3292642"/>
+            <a:ext cx="2386652" cy="280457"/>
           </a:xfrm>
           <a:prstGeom prst="rect">
             <a:avLst/>
@@ -4165,24 +3879,19 @@
           <a:noFill/>
         </p:spPr>
         <p:txBody>
-          <a:bodyPr wrap="none" rtlCol="0">
+          <a:bodyPr wrap="square" rtlCol="0">
             <a:spAutoFit/>
           </a:bodyPr>
           <a:lstStyle/>
           <a:p>
             <a:r>
-              <a:rPr lang="en-US" sz="1200" dirty="0" smtClean="0">
+              <a:rPr lang="en-US" sz="1200" dirty="0">
                 <a:latin typeface="DejaVu Sans" panose="020B0603030804020204" pitchFamily="34" charset="0"/>
                 <a:ea typeface="DejaVu Sans" panose="020B0603030804020204" pitchFamily="34" charset="0"/>
                 <a:cs typeface="DejaVu Sans" panose="020B0603030804020204" pitchFamily="34" charset="0"/>
               </a:rPr>
               <a:t>Prediction of nut gift basket</a:t>
             </a:r>
-            <a:endParaRPr lang="en-US" sz="1200" dirty="0">
-              <a:latin typeface="DejaVu Sans" panose="020B0603030804020204" pitchFamily="34" charset="0"/>
-              <a:ea typeface="DejaVu Sans" panose="020B0603030804020204" pitchFamily="34" charset="0"/>
-              <a:cs typeface="DejaVu Sans" panose="020B0603030804020204" pitchFamily="34" charset="0"/>
-            </a:endParaRPr>
           </a:p>
         </p:txBody>
       </p:sp>
@@ -4194,8 +3903,8 @@
         </p:nvSpPr>
         <p:spPr>
           <a:xfrm rot="-5400000">
-            <a:off x="27175122" y="3946164"/>
-            <a:ext cx="1088760" cy="307777"/>
+            <a:off x="26938938" y="4005333"/>
+            <a:ext cx="1102350" cy="311621"/>
           </a:xfrm>
           <a:prstGeom prst="rect">
             <a:avLst/>
@@ -4203,13 +3912,13 @@
           <a:noFill/>
         </p:spPr>
         <p:txBody>
-          <a:bodyPr wrap="none" rtlCol="0">
+          <a:bodyPr wrap="square" rtlCol="0">
             <a:spAutoFit/>
           </a:bodyPr>
           <a:lstStyle/>
           <a:p>
             <a:r>
-              <a:rPr lang="fr-CH" sz="1400" dirty="0" smtClean="0">
+              <a:rPr lang="fr-CH" sz="1400" dirty="0">
                 <a:latin typeface="DejaVu Sans" panose="020B0603030804020204" pitchFamily="34" charset="0"/>
                 <a:ea typeface="DejaVu Sans" panose="020B0603030804020204" pitchFamily="34" charset="0"/>
                 <a:cs typeface="DejaVu Sans" panose="020B0603030804020204" pitchFamily="34" charset="0"/>
@@ -4253,7 +3962,7 @@
               <a:t>Jules </a:t>
             </a:r>
             <a:r>
-              <a:rPr lang="fr-CH" sz="1800" i="1" dirty="0" err="1" smtClean="0">
+              <a:rPr lang="fr-CH" sz="1800" i="1" dirty="0" err="1">
                 <a:latin typeface="Garamond" panose="02020404030301010803" pitchFamily="18" charset="0"/>
               </a:rPr>
               <a:t>Gottraux</a:t>
@@ -4262,19 +3971,7 @@
               <a:rPr lang="fr-CH" sz="1800" i="1" dirty="0">
                 <a:latin typeface="Garamond" panose="02020404030301010803" pitchFamily="18" charset="0"/>
               </a:rPr>
-              <a:t>, </a:t>
-            </a:r>
-            <a:r>
-              <a:rPr lang="fr-CH" sz="1800" i="1" dirty="0" smtClean="0">
-                <a:latin typeface="Garamond" panose="02020404030301010803" pitchFamily="18" charset="0"/>
-              </a:rPr>
-              <a:t>Lucien Iseli</a:t>
-            </a:r>
-            <a:r>
-              <a:rPr lang="fr-CH" sz="1800" i="1" dirty="0">
-                <a:latin typeface="Garamond" panose="02020404030301010803" pitchFamily="18" charset="0"/>
-              </a:rPr>
-              <a:t>, Florian </a:t>
+              <a:t>, Lucien Iseli, Florian </a:t>
             </a:r>
             <a:r>
               <a:rPr lang="fr-CH" sz="1800" i="1" dirty="0" err="1">
@@ -4309,7 +4006,7 @@
         <p:spPr>
           <a:xfrm>
             <a:off x="1162949" y="11853632"/>
-            <a:ext cx="3288914" cy="369332"/>
+            <a:ext cx="3621504" cy="369332"/>
           </a:xfrm>
           <a:prstGeom prst="rect">
             <a:avLst/>
@@ -4323,14 +4020,11 @@
           <a:lstStyle/>
           <a:p>
             <a:r>
-              <a:rPr lang="en-US" sz="1800" b="1" dirty="0" smtClean="0">
-                <a:latin typeface="Garamond" panose="02020404030301010803" pitchFamily="18" charset="0"/>
+              <a:rPr lang="en-US" sz="1800" b="1" dirty="0">
+                <a:latin typeface="Libre Caslon Text" panose="00000500000000000000" pitchFamily="2" charset="0"/>
               </a:rPr>
               <a:t>Here is how the pipeline works:</a:t>
             </a:r>
-            <a:endParaRPr lang="en-US" sz="1800" b="1" dirty="0">
-              <a:latin typeface="Garamond" panose="02020404030301010803" pitchFamily="18" charset="0"/>
-            </a:endParaRPr>
           </a:p>
         </p:txBody>
       </p:sp>
@@ -4342,8 +4036,8 @@
         </p:nvSpPr>
         <p:spPr>
           <a:xfrm>
-            <a:off x="21774150" y="3632200"/>
-            <a:ext cx="174625" cy="130370"/>
+            <a:off x="21542838" y="3686495"/>
+            <a:ext cx="179519" cy="131997"/>
           </a:xfrm>
           <a:prstGeom prst="rect">
             <a:avLst/>
@@ -4388,8 +4082,8 @@
         </p:nvSpPr>
         <p:spPr>
           <a:xfrm>
-            <a:off x="21699648" y="3584448"/>
-            <a:ext cx="529312" cy="200055"/>
+            <a:off x="21468335" y="3638744"/>
+            <a:ext cx="544144" cy="202552"/>
           </a:xfrm>
           <a:prstGeom prst="rect">
             <a:avLst/>
@@ -4397,13 +4091,13 @@
           <a:noFill/>
         </p:spPr>
         <p:txBody>
-          <a:bodyPr wrap="none" rtlCol="0">
+          <a:bodyPr wrap="square" rtlCol="0">
             <a:spAutoFit/>
           </a:bodyPr>
           <a:lstStyle/>
           <a:p>
             <a:r>
-              <a:rPr lang="fr-CH" sz="700" dirty="0" smtClean="0">
+              <a:rPr lang="fr-CH" sz="700" dirty="0">
                 <a:latin typeface="DejaVu Sans" panose="020B0603030804020204" pitchFamily="34" charset="0"/>
                 <a:ea typeface="DejaVu Sans" panose="020B0603030804020204" pitchFamily="34" charset="0"/>
                 <a:cs typeface="DejaVu Sans" panose="020B0603030804020204" pitchFamily="34" charset="0"/>
@@ -4426,8 +4120,8 @@
         </p:nvSpPr>
         <p:spPr>
           <a:xfrm>
-            <a:off x="21774150" y="3742494"/>
-            <a:ext cx="454810" cy="129419"/>
+            <a:off x="21542837" y="3796790"/>
+            <a:ext cx="467554" cy="131034"/>
           </a:xfrm>
           <a:prstGeom prst="rect">
             <a:avLst/>
@@ -4472,8 +4166,8 @@
         </p:nvSpPr>
         <p:spPr>
           <a:xfrm>
-            <a:off x="21699648" y="3707175"/>
-            <a:ext cx="611065" cy="200055"/>
+            <a:off x="21468335" y="3761471"/>
+            <a:ext cx="628187" cy="202552"/>
           </a:xfrm>
           <a:prstGeom prst="rect">
             <a:avLst/>
@@ -4481,24 +4175,19 @@
           <a:noFill/>
         </p:spPr>
         <p:txBody>
-          <a:bodyPr wrap="none" rtlCol="0">
+          <a:bodyPr wrap="square" rtlCol="0">
             <a:spAutoFit/>
           </a:bodyPr>
           <a:lstStyle/>
           <a:p>
             <a:r>
-              <a:rPr lang="en-US" sz="700" dirty="0" smtClean="0">
+              <a:rPr lang="en-US" sz="700" dirty="0">
                 <a:latin typeface="DejaVu Sans" panose="020B0603030804020204" pitchFamily="34" charset="0"/>
                 <a:ea typeface="DejaVu Sans" panose="020B0603030804020204" pitchFamily="34" charset="0"/>
                 <a:cs typeface="DejaVu Sans" panose="020B0603030804020204" pitchFamily="34" charset="0"/>
               </a:rPr>
               <a:t>Predicted</a:t>
             </a:r>
-            <a:endParaRPr lang="en-US" sz="700" dirty="0">
-              <a:latin typeface="DejaVu Sans" panose="020B0603030804020204" pitchFamily="34" charset="0"/>
-              <a:ea typeface="DejaVu Sans" panose="020B0603030804020204" pitchFamily="34" charset="0"/>
-              <a:cs typeface="DejaVu Sans" panose="020B0603030804020204" pitchFamily="34" charset="0"/>
-            </a:endParaRPr>
           </a:p>
         </p:txBody>
       </p:sp>
@@ -4846,7 +4535,7 @@
         </p:nvSpPr>
         <p:spPr>
           <a:xfrm>
-            <a:off x="24448495" y="11525784"/>
+            <a:off x="24320860" y="11837768"/>
             <a:ext cx="1982019" cy="641123"/>
           </a:xfrm>
           <a:prstGeom prst="rect">
@@ -4892,7 +4581,7 @@
         </p:nvSpPr>
         <p:spPr>
           <a:xfrm rot="16200000">
-            <a:off x="19428457" y="14433433"/>
+            <a:off x="19392518" y="14523180"/>
             <a:ext cx="2605162" cy="641123"/>
           </a:xfrm>
           <a:prstGeom prst="rect">
@@ -4926,7 +4615,7 @@
           <a:lstStyle/>
           <a:p>
             <a:pPr algn="ctr"/>
-            <a:endParaRPr lang="en-US"/>
+            <a:endParaRPr lang="en-US" dirty="0"/>
           </a:p>
         </p:txBody>
       </p:sp>
@@ -4938,7 +4627,7 @@
         </p:nvSpPr>
         <p:spPr>
           <a:xfrm>
-            <a:off x="24387535" y="17773602"/>
+            <a:off x="24387535" y="17811702"/>
             <a:ext cx="2605162" cy="381814"/>
           </a:xfrm>
           <a:prstGeom prst="rect">
@@ -4984,7 +4673,7 @@
         </p:nvSpPr>
         <p:spPr>
           <a:xfrm>
-            <a:off x="14650571" y="3358217"/>
+            <a:off x="14691338" y="3359644"/>
             <a:ext cx="1123128" cy="276999"/>
           </a:xfrm>
           <a:prstGeom prst="rect">
@@ -4999,18 +4688,13 @@
           <a:lstStyle/>
           <a:p>
             <a:r>
-              <a:rPr lang="en-US" sz="1200" dirty="0" smtClean="0">
+              <a:rPr lang="en-US" sz="1200" dirty="0">
                 <a:latin typeface="DejaVu Sans" panose="020B0603030804020204" pitchFamily="34" charset="0"/>
                 <a:ea typeface="DejaVu Sans" panose="020B0603030804020204" pitchFamily="34" charset="0"/>
                 <a:cs typeface="DejaVu Sans" panose="020B0603030804020204" pitchFamily="34" charset="0"/>
               </a:rPr>
               <a:t>Vegan trend</a:t>
             </a:r>
-            <a:endParaRPr lang="en-US" sz="1200" dirty="0">
-              <a:latin typeface="DejaVu Sans" panose="020B0603030804020204" pitchFamily="34" charset="0"/>
-              <a:ea typeface="DejaVu Sans" panose="020B0603030804020204" pitchFamily="34" charset="0"/>
-              <a:cs typeface="DejaVu Sans" panose="020B0603030804020204" pitchFamily="34" charset="0"/>
-            </a:endParaRPr>
           </a:p>
         </p:txBody>
       </p:sp>
@@ -5022,7 +4706,7 @@
         </p:nvSpPr>
         <p:spPr>
           <a:xfrm>
-            <a:off x="15073449" y="8079466"/>
+            <a:off x="14988157" y="8074056"/>
             <a:ext cx="473206" cy="246221"/>
           </a:xfrm>
           <a:prstGeom prst="rect">
@@ -5037,18 +4721,13 @@
           <a:lstStyle/>
           <a:p>
             <a:r>
-              <a:rPr lang="en-US" sz="1000" dirty="0" smtClean="0">
+              <a:rPr lang="en-US" sz="1000" dirty="0">
                 <a:latin typeface="DejaVu Sans" panose="020B0603030804020204" pitchFamily="34" charset="0"/>
                 <a:ea typeface="DejaVu Sans" panose="020B0603030804020204" pitchFamily="34" charset="0"/>
                 <a:cs typeface="DejaVu Sans" panose="020B0603030804020204" pitchFamily="34" charset="0"/>
               </a:rPr>
               <a:t>Year</a:t>
             </a:r>
-            <a:endParaRPr lang="en-US" sz="1000" dirty="0">
-              <a:latin typeface="DejaVu Sans" panose="020B0603030804020204" pitchFamily="34" charset="0"/>
-              <a:ea typeface="DejaVu Sans" panose="020B0603030804020204" pitchFamily="34" charset="0"/>
-              <a:cs typeface="DejaVu Sans" panose="020B0603030804020204" pitchFamily="34" charset="0"/>
-            </a:endParaRPr>
           </a:p>
         </p:txBody>
       </p:sp>
@@ -5060,7 +4739,7 @@
         </p:nvSpPr>
         <p:spPr>
           <a:xfrm rot="16200000">
-            <a:off x="11438635" y="5678961"/>
+            <a:off x="11453460" y="5586043"/>
             <a:ext cx="1369286" cy="246221"/>
           </a:xfrm>
           <a:prstGeom prst="rect">
@@ -5075,18 +4754,13 @@
           <a:lstStyle/>
           <a:p>
             <a:r>
-              <a:rPr lang="en-US" sz="1000" dirty="0" smtClean="0">
+              <a:rPr lang="en-US" sz="1000" dirty="0">
                 <a:latin typeface="DejaVu Sans" panose="020B0603030804020204" pitchFamily="34" charset="0"/>
                 <a:ea typeface="DejaVu Sans" panose="020B0603030804020204" pitchFamily="34" charset="0"/>
                 <a:cs typeface="DejaVu Sans" panose="020B0603030804020204" pitchFamily="34" charset="0"/>
               </a:rPr>
               <a:t>Percent of reviews</a:t>
             </a:r>
-            <a:endParaRPr lang="en-US" sz="1000" dirty="0">
-              <a:latin typeface="DejaVu Sans" panose="020B0603030804020204" pitchFamily="34" charset="0"/>
-              <a:ea typeface="DejaVu Sans" panose="020B0603030804020204" pitchFamily="34" charset="0"/>
-              <a:cs typeface="DejaVu Sans" panose="020B0603030804020204" pitchFamily="34" charset="0"/>
-            </a:endParaRPr>
           </a:p>
         </p:txBody>
       </p:sp>
@@ -5098,7 +4772,7 @@
         </p:nvSpPr>
         <p:spPr>
           <a:xfrm>
-            <a:off x="4757037" y="4434506"/>
+            <a:off x="5104386" y="4481830"/>
             <a:ext cx="1641603" cy="276999"/>
           </a:xfrm>
           <a:prstGeom prst="rect">
@@ -5113,18 +4787,13 @@
           <a:lstStyle/>
           <a:p>
             <a:r>
-              <a:rPr lang="en-US" sz="1200" dirty="0" smtClean="0">
+              <a:rPr lang="en-US" sz="1200" dirty="0">
                 <a:latin typeface="DejaVu Sans" panose="020B0603030804020204" pitchFamily="34" charset="0"/>
                 <a:ea typeface="DejaVu Sans" panose="020B0603030804020204" pitchFamily="34" charset="0"/>
                 <a:cs typeface="DejaVu Sans" panose="020B0603030804020204" pitchFamily="34" charset="0"/>
               </a:rPr>
               <a:t>Number of reviews</a:t>
             </a:r>
-            <a:endParaRPr lang="en-US" sz="1200" dirty="0">
-              <a:latin typeface="DejaVu Sans" panose="020B0603030804020204" pitchFamily="34" charset="0"/>
-              <a:ea typeface="DejaVu Sans" panose="020B0603030804020204" pitchFamily="34" charset="0"/>
-              <a:cs typeface="DejaVu Sans" panose="020B0603030804020204" pitchFamily="34" charset="0"/>
-            </a:endParaRPr>
           </a:p>
         </p:txBody>
       </p:sp>
@@ -5151,18 +4820,13 @@
           <a:lstStyle/>
           <a:p>
             <a:r>
-              <a:rPr lang="en-US" sz="1000" dirty="0" smtClean="0">
+              <a:rPr lang="en-US" sz="1000" dirty="0">
                 <a:latin typeface="DejaVu Sans" panose="020B0603030804020204" pitchFamily="34" charset="0"/>
                 <a:ea typeface="DejaVu Sans" panose="020B0603030804020204" pitchFamily="34" charset="0"/>
                 <a:cs typeface="DejaVu Sans" panose="020B0603030804020204" pitchFamily="34" charset="0"/>
               </a:rPr>
               <a:t>Number of reviews</a:t>
             </a:r>
-            <a:endParaRPr lang="en-US" sz="1000" dirty="0">
-              <a:latin typeface="DejaVu Sans" panose="020B0603030804020204" pitchFamily="34" charset="0"/>
-              <a:ea typeface="DejaVu Sans" panose="020B0603030804020204" pitchFamily="34" charset="0"/>
-              <a:cs typeface="DejaVu Sans" panose="020B0603030804020204" pitchFamily="34" charset="0"/>
-            </a:endParaRPr>
           </a:p>
         </p:txBody>
       </p:sp>
@@ -5189,18 +4853,13 @@
           <a:lstStyle/>
           <a:p>
             <a:r>
-              <a:rPr lang="en-US" sz="1000" dirty="0" smtClean="0">
+              <a:rPr lang="en-US" sz="1000" dirty="0">
                 <a:latin typeface="DejaVu Sans" panose="020B0603030804020204" pitchFamily="34" charset="0"/>
                 <a:ea typeface="DejaVu Sans" panose="020B0603030804020204" pitchFamily="34" charset="0"/>
                 <a:cs typeface="DejaVu Sans" panose="020B0603030804020204" pitchFamily="34" charset="0"/>
               </a:rPr>
               <a:t>Date</a:t>
             </a:r>
-            <a:endParaRPr lang="en-US" sz="1000" dirty="0">
-              <a:latin typeface="DejaVu Sans" panose="020B0603030804020204" pitchFamily="34" charset="0"/>
-              <a:ea typeface="DejaVu Sans" panose="020B0603030804020204" pitchFamily="34" charset="0"/>
-              <a:cs typeface="DejaVu Sans" panose="020B0603030804020204" pitchFamily="34" charset="0"/>
-            </a:endParaRPr>
           </a:p>
         </p:txBody>
       </p:sp>
@@ -5212,7 +4871,7 @@
         </p:nvSpPr>
         <p:spPr>
           <a:xfrm>
-            <a:off x="24644254" y="11928560"/>
+            <a:off x="24363017" y="11982428"/>
             <a:ext cx="1590500" cy="276999"/>
           </a:xfrm>
           <a:prstGeom prst="rect">
@@ -5227,18 +4886,21 @@
           <a:lstStyle/>
           <a:p>
             <a:r>
-              <a:rPr lang="en-US" sz="1200" dirty="0" smtClean="0">
+              <a:rPr lang="en-US" sz="1200">
                 <a:latin typeface="DejaVu Sans" panose="020B0603030804020204" pitchFamily="34" charset="0"/>
                 <a:ea typeface="DejaVu Sans" panose="020B0603030804020204" pitchFamily="34" charset="0"/>
                 <a:cs typeface="DejaVu Sans" panose="020B0603030804020204" pitchFamily="34" charset="0"/>
               </a:rPr>
-              <a:t>Event’s popularity</a:t>
-            </a:r>
-            <a:endParaRPr lang="en-US" sz="1200" dirty="0">
-              <a:latin typeface="DejaVu Sans" panose="020B0603030804020204" pitchFamily="34" charset="0"/>
-              <a:ea typeface="DejaVu Sans" panose="020B0603030804020204" pitchFamily="34" charset="0"/>
-              <a:cs typeface="DejaVu Sans" panose="020B0603030804020204" pitchFamily="34" charset="0"/>
-            </a:endParaRPr>
+              <a:t>Events’ </a:t>
+            </a:r>
+            <a:r>
+              <a:rPr lang="en-US" sz="1200" dirty="0">
+                <a:latin typeface="DejaVu Sans" panose="020B0603030804020204" pitchFamily="34" charset="0"/>
+                <a:ea typeface="DejaVu Sans" panose="020B0603030804020204" pitchFamily="34" charset="0"/>
+                <a:cs typeface="DejaVu Sans" panose="020B0603030804020204" pitchFamily="34" charset="0"/>
+              </a:rPr>
+              <a:t>popularity</a:t>
+            </a:r>
           </a:p>
         </p:txBody>
       </p:sp>
@@ -5250,7 +4912,7 @@
         </p:nvSpPr>
         <p:spPr>
           <a:xfrm>
-            <a:off x="24798944" y="17711655"/>
+            <a:off x="24534001" y="17743122"/>
             <a:ext cx="1281120" cy="246221"/>
           </a:xfrm>
           <a:prstGeom prst="rect">
@@ -5265,18 +4927,13 @@
           <a:lstStyle/>
           <a:p>
             <a:r>
-              <a:rPr lang="en-US" sz="1000" dirty="0" smtClean="0">
+              <a:rPr lang="en-US" sz="1000" dirty="0">
                 <a:latin typeface="DejaVu Sans" panose="020B0603030804020204" pitchFamily="34" charset="0"/>
                 <a:ea typeface="DejaVu Sans" panose="020B0603030804020204" pitchFamily="34" charset="0"/>
                 <a:cs typeface="DejaVu Sans" panose="020B0603030804020204" pitchFamily="34" charset="0"/>
               </a:rPr>
               <a:t>Week of the year</a:t>
             </a:r>
-            <a:endParaRPr lang="en-US" sz="1000" dirty="0">
-              <a:latin typeface="DejaVu Sans" panose="020B0603030804020204" pitchFamily="34" charset="0"/>
-              <a:ea typeface="DejaVu Sans" panose="020B0603030804020204" pitchFamily="34" charset="0"/>
-              <a:cs typeface="DejaVu Sans" panose="020B0603030804020204" pitchFamily="34" charset="0"/>
-            </a:endParaRPr>
           </a:p>
         </p:txBody>
       </p:sp>
@@ -5303,18 +4960,13 @@
           <a:lstStyle/>
           <a:p>
             <a:r>
-              <a:rPr lang="en-US" sz="1000" dirty="0" smtClean="0">
+              <a:rPr lang="en-US" sz="1000" dirty="0">
                 <a:latin typeface="DejaVu Sans" panose="020B0603030804020204" pitchFamily="34" charset="0"/>
                 <a:ea typeface="DejaVu Sans" panose="020B0603030804020204" pitchFamily="34" charset="0"/>
                 <a:cs typeface="DejaVu Sans" panose="020B0603030804020204" pitchFamily="34" charset="0"/>
               </a:rPr>
               <a:t>Number of reviews (in percentage)</a:t>
             </a:r>
-            <a:endParaRPr lang="en-US" sz="1000" dirty="0">
-              <a:latin typeface="DejaVu Sans" panose="020B0603030804020204" pitchFamily="34" charset="0"/>
-              <a:ea typeface="DejaVu Sans" panose="020B0603030804020204" pitchFamily="34" charset="0"/>
-              <a:cs typeface="DejaVu Sans" panose="020B0603030804020204" pitchFamily="34" charset="0"/>
-            </a:endParaRPr>
           </a:p>
         </p:txBody>
       </p:sp>
@@ -5328,13 +4980,6 @@
   <p:clrMapOvr>
     <a:masterClrMapping/>
   </p:clrMapOvr>
-  <p:timing>
-    <p:tnLst>
-      <p:par>
-        <p:cTn id="1" dur="indefinite" restart="never" nodeType="tmRoot"/>
-      </p:par>
-    </p:tnLst>
-  </p:timing>
 </p:sld>
 </file>
 
